--- a/ppts/07RecyclerView.pptx
+++ b/ppts/07RecyclerView.pptx
@@ -235,7 +235,7 @@
           <a:p>
             <a:fld id="{648057B7-EFC7-4AC6-B479-CDD44EB7D654}" type="datetimeFigureOut">
               <a:rPr lang="ko-KR" altLang="en-US" smtClean="0"/>
-              <a:t>2021-07-28</a:t>
+              <a:t>21-07-29</a:t>
             </a:fld>
             <a:endParaRPr lang="ko-KR" altLang="en-US"/>
           </a:p>
@@ -1244,7 +1244,7 @@
           <a:p>
             <a:fld id="{92DC3DFC-D19E-4489-81A0-2BEACF4D5BEA}" type="datetime1">
               <a:rPr lang="ko-KR" altLang="en-US" smtClean="0"/>
-              <a:t>2021-07-28</a:t>
+              <a:t>21-07-29</a:t>
             </a:fld>
             <a:endParaRPr lang="ko-KR" altLang="en-US"/>
           </a:p>
@@ -1920,7 +1920,7 @@
           <a:p>
             <a:fld id="{D6186EA6-D9DB-42E3-9CF4-5FF064BCCBD4}" type="datetime1">
               <a:rPr lang="ko-KR" altLang="en-US" smtClean="0"/>
-              <a:t>2021-07-28</a:t>
+              <a:t>21-07-29</a:t>
             </a:fld>
             <a:endParaRPr lang="ko-KR" altLang="en-US"/>
           </a:p>
@@ -2078,7 +2078,7 @@
           <a:p>
             <a:fld id="{E42C130B-BDA3-4432-AD22-7228F2591A72}" type="datetime1">
               <a:rPr lang="ko-KR" altLang="en-US" smtClean="0"/>
-              <a:t>2021-07-28</a:t>
+              <a:t>21-07-29</a:t>
             </a:fld>
             <a:endParaRPr lang="ko-KR" altLang="en-US"/>
           </a:p>
@@ -2342,7 +2342,7 @@
           <a:p>
             <a:fld id="{3C649B2E-AC5C-4CA1-A2FD-F4A945DECCCA}" type="datetime1">
               <a:rPr lang="ko-KR" altLang="en-US" smtClean="0"/>
-              <a:t>2021-07-28</a:t>
+              <a:t>21-07-29</a:t>
             </a:fld>
             <a:endParaRPr lang="ko-KR" altLang="en-US"/>
           </a:p>
@@ -2436,7 +2436,7 @@
           <a:p>
             <a:fld id="{AC778754-33AA-481A-B885-58843B94B2EC}" type="datetime1">
               <a:rPr lang="ko-KR" altLang="en-US" smtClean="0"/>
-              <a:t>2021-07-28</a:t>
+              <a:t>21-07-29</a:t>
             </a:fld>
             <a:endParaRPr lang="ko-KR" altLang="en-US"/>
           </a:p>
@@ -3147,7 +3147,7 @@
             <a:fld id="{AC778754-33AA-481A-B885-58843B94B2EC}" type="datetime1">
               <a:rPr lang="ko-KR" altLang="en-US" smtClean="0"/>
               <a:pPr/>
-              <a:t>2021-07-28</a:t>
+              <a:t>21-07-29</a:t>
             </a:fld>
             <a:endParaRPr lang="ko-KR" altLang="en-US" dirty="0"/>
           </a:p>
@@ -5558,8 +5558,12 @@
               <a:t>1. </a:t>
             </a:r>
             <a:r>
-              <a:rPr lang="ko-KR" altLang="en-US" dirty="0"/>
-              <a:t>작가 이름 색상 흰색으로 바꾸기</a:t>
+              <a:rPr lang="ko-KR" altLang="en-US" dirty="0" smtClean="0"/>
+              <a:t>사진 아래에 있는 작가 </a:t>
+            </a:r>
+            <a:r>
+              <a:rPr lang="ko-KR" altLang="en-US" dirty="0"/>
+              <a:t>이름 색상 흰색으로 바꾸기</a:t>
             </a:r>
             <a:endParaRPr lang="en-US" altLang="ko-KR" dirty="0"/>
           </a:p>
@@ -5582,7 +5586,34 @@
             </a:r>
             <a:r>
               <a:rPr lang="ko-KR" altLang="en-US" dirty="0"/>
-              <a:t>개의 그림으로 바꾸기</a:t>
+              <a:t>개의 그림으로 </a:t>
+            </a:r>
+            <a:r>
+              <a:rPr lang="ko-KR" altLang="en-US" dirty="0" smtClean="0"/>
+              <a:t>바꾸기</a:t>
+            </a:r>
+            <a:endParaRPr lang="en-US" altLang="ko-KR" dirty="0" smtClean="0"/>
+          </a:p>
+          <a:p>
+            <a:r>
+              <a:rPr lang="ko-KR" altLang="en-US" dirty="0" smtClean="0"/>
+              <a:t>과제</a:t>
+            </a:r>
+            <a:r>
+              <a:rPr lang="en-US" altLang="ko-KR" dirty="0" smtClean="0"/>
+              <a:t>3. </a:t>
+            </a:r>
+            <a:r>
+              <a:rPr lang="ko-KR" altLang="en-US" dirty="0" smtClean="0"/>
+              <a:t>버튼 클릭 후</a:t>
+            </a:r>
+            <a:r>
+              <a:rPr lang="en-US" altLang="ko-KR" dirty="0"/>
+              <a:t> </a:t>
+            </a:r>
+            <a:r>
+              <a:rPr lang="ko-KR" altLang="en-US" dirty="0" smtClean="0"/>
+              <a:t>나오는 화살표 색상을 주황색으로 바꾸기</a:t>
             </a:r>
             <a:endParaRPr lang="en-US" altLang="ko-KR" dirty="0"/>
           </a:p>
@@ -7161,6 +7192,13 @@
   <p:clrMapOvr>
     <a:masterClrMapping/>
   </p:clrMapOvr>
+  <p:timing>
+    <p:tnLst>
+      <p:par>
+        <p:cTn id="1" dur="indefinite" restart="never" nodeType="tmRoot"/>
+      </p:par>
+    </p:tnLst>
+  </p:timing>
 </p:sld>
 </file>
 
@@ -7486,6 +7524,13 @@
   <p:clrMapOvr>
     <a:masterClrMapping/>
   </p:clrMapOvr>
+  <p:timing>
+    <p:tnLst>
+      <p:par>
+        <p:cTn id="1" dur="indefinite" restart="never" nodeType="tmRoot"/>
+      </p:par>
+    </p:tnLst>
+  </p:timing>
 </p:sld>
 </file>
 
@@ -7887,6 +7932,13 @@
   <p:clrMapOvr>
     <a:masterClrMapping/>
   </p:clrMapOvr>
+  <p:timing>
+    <p:tnLst>
+      <p:par>
+        <p:cTn id="1" dur="indefinite" restart="never" nodeType="tmRoot"/>
+      </p:par>
+    </p:tnLst>
+  </p:timing>
 </p:sld>
 </file>
 
@@ -8207,6 +8259,13 @@
   <p:clrMapOvr>
     <a:masterClrMapping/>
   </p:clrMapOvr>
+  <p:timing>
+    <p:tnLst>
+      <p:par>
+        <p:cTn id="1" dur="indefinite" restart="never" nodeType="tmRoot"/>
+      </p:par>
+    </p:tnLst>
+  </p:timing>
 </p:sld>
 </file>
 
@@ -8615,6 +8674,13 @@
   <p:clrMapOvr>
     <a:masterClrMapping/>
   </p:clrMapOvr>
+  <p:timing>
+    <p:tnLst>
+      <p:par>
+        <p:cTn id="1" dur="indefinite" restart="never" nodeType="tmRoot"/>
+      </p:par>
+    </p:tnLst>
+  </p:timing>
 </p:sld>
 </file>
 
@@ -9247,6 +9313,13 @@
   <p:clrMapOvr>
     <a:masterClrMapping/>
   </p:clrMapOvr>
+  <p:timing>
+    <p:tnLst>
+      <p:par>
+        <p:cTn id="1" dur="indefinite" restart="never" nodeType="tmRoot"/>
+      </p:par>
+    </p:tnLst>
+  </p:timing>
 </p:sld>
 </file>
 
